--- a/卒業論文/2014/吉野聡志/最終発表スライド.pptx
+++ b/卒業論文/2014/吉野聡志/最終発表スライド.pptx
@@ -562,11 +562,7 @@
           <a:p>
             <a:r>
               <a:rPr kumimoji="1" lang="ja-JP" altLang="en-US" dirty="0" smtClean="0"/>
-              <a:t>特徴語と</a:t>
-            </a:r>
-            <a:r>
-              <a:rPr kumimoji="1" lang="ja-JP" altLang="en-US" dirty="0" smtClean="0"/>
-              <a:t>は</a:t>
+              <a:t>特徴語とは</a:t>
             </a:r>
             <a:endParaRPr kumimoji="1" lang="ja-JP" altLang="en-US" dirty="0"/>
           </a:p>
@@ -672,11 +668,7 @@
             </a:r>
             <a:r>
               <a:rPr kumimoji="1" lang="ja-JP" altLang="en-US" dirty="0" smtClean="0"/>
-              <a:t>と</a:t>
-            </a:r>
-            <a:r>
-              <a:rPr kumimoji="1" lang="ja-JP" altLang="en-US" dirty="0" smtClean="0"/>
-              <a:t>は</a:t>
+              <a:t>とは</a:t>
             </a:r>
             <a:endParaRPr kumimoji="1" lang="en-US" altLang="ja-JP" dirty="0" smtClean="0"/>
           </a:p>
@@ -687,11 +679,7 @@
             </a:r>
             <a:r>
               <a:rPr kumimoji="1" lang="ja-JP" altLang="en-US" dirty="0" smtClean="0"/>
-              <a:t>と</a:t>
-            </a:r>
-            <a:r>
-              <a:rPr kumimoji="1" lang="ja-JP" altLang="en-US" dirty="0" smtClean="0"/>
-              <a:t>は</a:t>
+              <a:t>とは</a:t>
             </a:r>
             <a:endParaRPr kumimoji="1" lang="en-US" altLang="ja-JP" dirty="0" smtClean="0"/>
           </a:p>
@@ -702,11 +690,7 @@
             </a:r>
             <a:r>
               <a:rPr kumimoji="1" lang="ja-JP" altLang="en-US" dirty="0" smtClean="0"/>
-              <a:t>と</a:t>
-            </a:r>
-            <a:r>
-              <a:rPr kumimoji="1" lang="ja-JP" altLang="en-US" dirty="0" smtClean="0"/>
-              <a:t>は</a:t>
+              <a:t>とは</a:t>
             </a:r>
             <a:endParaRPr kumimoji="1" lang="ja-JP" altLang="en-US" dirty="0"/>
           </a:p>
@@ -5567,23 +5551,7 @@
                 <a:ea typeface="メイリオ" panose="020B0604030504040204" pitchFamily="50" charset="-128"/>
                 <a:cs typeface="メイリオ" panose="020B0604030504040204" pitchFamily="50" charset="-128"/>
               </a:rPr>
-              <a:t>ゲーム</a:t>
-            </a:r>
-            <a:r>
-              <a:rPr lang="ja-JP" altLang="en-US" dirty="0" smtClean="0">
-                <a:latin typeface="メイリオ" panose="020B0604030504040204" pitchFamily="50" charset="-128"/>
-                <a:ea typeface="メイリオ" panose="020B0604030504040204" pitchFamily="50" charset="-128"/>
-                <a:cs typeface="メイリオ" panose="020B0604030504040204" pitchFamily="50" charset="-128"/>
-              </a:rPr>
-              <a:t>（ブラウザゲーム「</a:t>
-            </a:r>
-            <a:r>
-              <a:rPr lang="ja-JP" altLang="en-US" dirty="0" smtClean="0">
-                <a:latin typeface="メイリオ" panose="020B0604030504040204" pitchFamily="50" charset="-128"/>
-                <a:ea typeface="メイリオ" panose="020B0604030504040204" pitchFamily="50" charset="-128"/>
-                <a:cs typeface="メイリオ" panose="020B0604030504040204" pitchFamily="50" charset="-128"/>
-              </a:rPr>
-              <a:t>艦隊これ</a:t>
+              <a:t>ゲーム（ブラウザゲーム「艦隊これ</a:t>
             </a:r>
             <a:r>
               <a:rPr lang="ja-JP" altLang="en-US" dirty="0" err="1" smtClean="0">
@@ -6710,7 +6678,23 @@
                 <a:ea typeface="メイリオ" panose="020B0604030504040204" pitchFamily="50" charset="-128"/>
                 <a:cs typeface="メイリオ" panose="020B0604030504040204" pitchFamily="50" charset="-128"/>
               </a:rPr>
-              <a:t>が他のユーザをフォローする基準は人それぞれであるため，予測の際は他の有効な情報も同時に得る必要が</a:t>
+              <a:t>が他のユーザをフォローする基準は人それぞれであるため，予測の際は他の</a:t>
+            </a:r>
+            <a:r>
+              <a:rPr lang="ja-JP" altLang="en-US" dirty="0" smtClean="0">
+                <a:latin typeface="メイリオ" panose="020B0604030504040204" pitchFamily="50" charset="-128"/>
+                <a:ea typeface="メイリオ" panose="020B0604030504040204" pitchFamily="50" charset="-128"/>
+                <a:cs typeface="メイリオ" panose="020B0604030504040204" pitchFamily="50" charset="-128"/>
+              </a:rPr>
+              <a:t>有用な</a:t>
+            </a:r>
+            <a:r>
+              <a:rPr lang="ja-JP" altLang="en-US" dirty="0">
+                <a:latin typeface="メイリオ" panose="020B0604030504040204" pitchFamily="50" charset="-128"/>
+                <a:ea typeface="メイリオ" panose="020B0604030504040204" pitchFamily="50" charset="-128"/>
+                <a:cs typeface="メイリオ" panose="020B0604030504040204" pitchFamily="50" charset="-128"/>
+              </a:rPr>
+              <a:t>情報も同時に得る必要が</a:t>
             </a:r>
             <a:r>
               <a:rPr lang="ja-JP" altLang="en-US" dirty="0" smtClean="0">
@@ -6801,13 +6785,13 @@
         </p:nvSpPr>
         <p:spPr>
           <a:xfrm>
-            <a:off x="628650" y="1825624"/>
-            <a:ext cx="7886700" cy="4483736"/>
+            <a:off x="628650" y="1571624"/>
+            <a:ext cx="7886700" cy="5097400"/>
           </a:xfrm>
         </p:spPr>
         <p:txBody>
           <a:bodyPr>
-            <a:normAutofit fontScale="85000" lnSpcReduction="10000"/>
+            <a:normAutofit fontScale="85000" lnSpcReduction="20000"/>
           </a:bodyPr>
           <a:lstStyle/>
           <a:p>
@@ -6930,7 +6914,51 @@
                 <a:ea typeface="メイリオ" panose="020B0604030504040204" pitchFamily="50" charset="-128"/>
                 <a:cs typeface="メイリオ" panose="020B0604030504040204" pitchFamily="50" charset="-128"/>
               </a:rPr>
-              <a:t>顕在的・潜在的なニーズを読み取る</a:t>
+              <a:t>顕在的・潜在的なニーズを</a:t>
+            </a:r>
+            <a:r>
+              <a:rPr kumimoji="1" lang="ja-JP" altLang="en-US" dirty="0" smtClean="0">
+                <a:latin typeface="メイリオ" panose="020B0604030504040204" pitchFamily="50" charset="-128"/>
+                <a:ea typeface="メイリオ" panose="020B0604030504040204" pitchFamily="50" charset="-128"/>
+                <a:cs typeface="メイリオ" panose="020B0604030504040204" pitchFamily="50" charset="-128"/>
+              </a:rPr>
+              <a:t>読み取る</a:t>
+            </a:r>
+            <a:endParaRPr kumimoji="1" lang="en-US" altLang="ja-JP" dirty="0" smtClean="0">
+              <a:latin typeface="メイリオ" panose="020B0604030504040204" pitchFamily="50" charset="-128"/>
+              <a:ea typeface="メイリオ" panose="020B0604030504040204" pitchFamily="50" charset="-128"/>
+              <a:cs typeface="メイリオ" panose="020B0604030504040204" pitchFamily="50" charset="-128"/>
+            </a:endParaRPr>
+          </a:p>
+          <a:p>
+            <a:pPr>
+              <a:lnSpc>
+                <a:spcPct val="150000"/>
+              </a:lnSpc>
+            </a:pPr>
+            <a:r>
+              <a:rPr lang="ja-JP" altLang="en-US" dirty="0" smtClean="0">
+                <a:latin typeface="メイリオ" panose="020B0604030504040204" pitchFamily="50" charset="-128"/>
+                <a:ea typeface="メイリオ" panose="020B0604030504040204" pitchFamily="50" charset="-128"/>
+                <a:cs typeface="メイリオ" panose="020B0604030504040204" pitchFamily="50" charset="-128"/>
+              </a:rPr>
+              <a:t>ユーザひとりひとりがどれだけ違った情報を</a:t>
+            </a:r>
+            <a:r>
+              <a:rPr lang="en-US" altLang="ja-JP" dirty="0" smtClean="0">
+                <a:latin typeface="メイリオ" panose="020B0604030504040204" pitchFamily="50" charset="-128"/>
+                <a:ea typeface="メイリオ" panose="020B0604030504040204" pitchFamily="50" charset="-128"/>
+                <a:cs typeface="メイリオ" panose="020B0604030504040204" pitchFamily="50" charset="-128"/>
+              </a:rPr>
+              <a:t>Twitter</a:t>
+            </a:r>
+            <a:r>
+              <a:rPr lang="ja-JP" altLang="en-US" dirty="0" smtClean="0">
+                <a:latin typeface="メイリオ" panose="020B0604030504040204" pitchFamily="50" charset="-128"/>
+                <a:ea typeface="メイリオ" panose="020B0604030504040204" pitchFamily="50" charset="-128"/>
+                <a:cs typeface="メイリオ" panose="020B0604030504040204" pitchFamily="50" charset="-128"/>
+              </a:rPr>
+              <a:t>上でやり取りしているかを見比べる</a:t>
             </a:r>
             <a:endParaRPr kumimoji="1" lang="en-US" altLang="ja-JP" dirty="0" smtClean="0">
               <a:latin typeface="メイリオ" panose="020B0604030504040204" pitchFamily="50" charset="-128"/>
